--- a/ShinyMarkdownReports/ReportTemplates/MarkdownToDocx/TemporaryOutputs/Figures.pptx
+++ b/ShinyMarkdownReports/ReportTemplates/MarkdownToDocx/TemporaryOutputs/Figures.pptx
@@ -111,7 +111,7 @@
 </p:presentation>
 </file>
 
-<file path=ppt/charts/chart2f38a2e6e95.xml><?xml version="1.0" encoding="utf-8"?>
+<file path=ppt/charts/chart4174308a286b.xml><?xml version="1.0" encoding="utf-8"?>
 <c:chartSpace xmlns:c="http://schemas.openxmlformats.org/drawingml/2006/chart" xmlns:a="http://schemas.openxmlformats.org/drawingml/2006/main" xmlns:r="http://schemas.openxmlformats.org/officeDocument/2006/relationships">
   <c:date1904 val="0"/>
   <c:lang val="fr-FR"/>
